--- a/21-30/ch25_break_pass_p2/ch25_break_pass_p2.pptx
+++ b/21-30/ch25_break_pass_p2/ch25_break_pass_p2.pptx
@@ -3648,12 +3648,28 @@
           <a:p>
             <a:pPr algn="l"/>
             <a:r>
+              <a:rPr lang="en-US" altLang="zh-TW" b="1">
+                <a:solidFill>
+                  <a:srgbClr val="FFFF00"/>
+                </a:solidFill>
+              </a:rPr>
+              <a:t>25 </a:t>
+            </a:r>
+            <a:r>
               <a:rPr lang="en-US" altLang="zh-TW" b="1" dirty="0">
                 <a:solidFill>
                   <a:srgbClr val="FFFF00"/>
                 </a:solidFill>
               </a:rPr>
-              <a:t>24 break/pass</a:t>
+              <a:t>break</a:t>
+            </a:r>
+            <a:r>
+              <a:rPr lang="en-US" altLang="zh-TW" b="1">
+                <a:solidFill>
+                  <a:srgbClr val="FFFF00"/>
+                </a:solidFill>
+              </a:rPr>
+              <a:t>/pass: Part 2</a:t>
             </a:r>
             <a:endParaRPr lang="zh-TW" altLang="en-US" b="1" dirty="0">
               <a:solidFill>
